--- a/Хайп презентация (4).pptx
+++ b/Хайп презентация (4).pptx
@@ -13434,7 +13434,7 @@
             <a:pPr lvl="0" rtl="0"/>
             <a:r>
               <a:rPr lang="ru-RU" b="1" noProof="0" dirty="0"/>
-              <a:t>МатематическиЯ и физическая модели</a:t>
+              <a:t>МатематическаЯ и физическая модели</a:t>
             </a:r>
           </a:p>
         </p:txBody>
@@ -13474,7 +13474,7 @@
                   </a:schemeClr>
                 </a:solidFill>
               </a:rPr>
-              <a:t>Основыне формулы при создании</a:t>
+              <a:t>Основные формулы при создании</a:t>
             </a:r>
             <a:r>
               <a:rPr lang="en-US" dirty="0">
@@ -15797,15 +15797,6 @@
 </file>
 
 <file path=customXml/item1.xml><?xml version="1.0" encoding="utf-8"?>
-<?mso-contentType ?>
-<FormTemplates xmlns="http://schemas.microsoft.com/sharepoint/v3/contenttype/forms">
-  <Display>DocumentLibraryForm</Display>
-  <Edit>DocumentLibraryForm</Edit>
-  <New>DocumentLibraryForm</New>
-</FormTemplates>
-</file>
-
-<file path=customXml/item2.xml><?xml version="1.0" encoding="utf-8"?>
 <p:properties xmlns:p="http://schemas.microsoft.com/office/2006/metadata/properties" xmlns:xsi="http://www.w3.org/2001/XMLSchema-instance" xmlns:pc="http://schemas.microsoft.com/office/infopath/2007/PartnerControls">
   <documentManagement>
     <_ip_UnifiedCompliancePolicyUIAction xmlns="http://schemas.microsoft.com/sharepoint/v3" xsi:nil="true"/>
@@ -15823,6 +15814,15 @@
     <MediaServiceKeyPoints xmlns="71af3243-3dd4-4a8d-8c0d-dd76da1f02a5" xsi:nil="true"/>
   </documentManagement>
 </p:properties>
+</file>
+
+<file path=customXml/item2.xml><?xml version="1.0" encoding="utf-8"?>
+<?mso-contentType ?>
+<FormTemplates xmlns="http://schemas.microsoft.com/sharepoint/v3/contenttype/forms">
+  <Display>DocumentLibraryForm</Display>
+  <Edit>DocumentLibraryForm</Edit>
+  <New>DocumentLibraryForm</New>
+</FormTemplates>
 </file>
 
 <file path=customXml/item3.xml><?xml version="1.0" encoding="utf-8"?>
@@ -16138,14 +16138,6 @@
 </file>
 
 <file path=customXml/itemProps1.xml><?xml version="1.0" encoding="utf-8"?>
-<ds:datastoreItem xmlns:ds="http://schemas.openxmlformats.org/officeDocument/2006/customXml" ds:itemID="{A78D9019-7CE1-4B77-8F5D-67F6576598CB}">
-  <ds:schemaRefs>
-    <ds:schemaRef ds:uri="http://schemas.microsoft.com/sharepoint/v3/contenttype/forms"/>
-  </ds:schemaRefs>
-</ds:datastoreItem>
-</file>
-
-<file path=customXml/itemProps2.xml><?xml version="1.0" encoding="utf-8"?>
 <ds:datastoreItem xmlns:ds="http://schemas.openxmlformats.org/officeDocument/2006/customXml" ds:itemID="{E42E6C21-1752-4E06-9FE3-208D45ADB668}">
   <ds:schemaRefs>
     <ds:schemaRef ds:uri="http://purl.org/dc/terms/"/>
@@ -16160,6 +16152,14 @@
     <ds:schemaRef ds:uri="71af3243-3dd4-4a8d-8c0d-dd76da1f02a5"/>
     <ds:schemaRef ds:uri="http://purl.org/dc/dcmitype/"/>
     <ds:schemaRef ds:uri="http://purl.org/dc/elements/1.1/"/>
+  </ds:schemaRefs>
+</ds:datastoreItem>
+</file>
+
+<file path=customXml/itemProps2.xml><?xml version="1.0" encoding="utf-8"?>
+<ds:datastoreItem xmlns:ds="http://schemas.openxmlformats.org/officeDocument/2006/customXml" ds:itemID="{A78D9019-7CE1-4B77-8F5D-67F6576598CB}">
+  <ds:schemaRefs>
+    <ds:schemaRef ds:uri="http://schemas.microsoft.com/sharepoint/v3/contenttype/forms"/>
   </ds:schemaRefs>
 </ds:datastoreItem>
 </file>
